--- a/Task 1.pptx
+++ b/Task 1.pptx
@@ -10,6 +10,7 @@
     <p:sldId id="258" r:id="rId4"/>
     <p:sldId id="259" r:id="rId5"/>
     <p:sldId id="260" r:id="rId6"/>
+    <p:sldId id="261" r:id="rId7"/>
   </p:sldIdLst>
   <p:sldSz cx="12192000" cy="6858000"/>
   <p:notesSz cx="6858000" cy="9144000"/>
@@ -108,7 +109,57 @@
       </a:defRPr>
     </a:lvl9pPr>
   </p:defaultTextStyle>
+  <p:extLst>
+    <p:ext uri="{EFAFB233-063F-42B5-8137-9DF3F51BA10A}">
+      <p15:sldGuideLst xmlns:p15="http://schemas.microsoft.com/office/powerpoint/2012/main"/>
+    </p:ext>
+  </p:extLst>
 </p:presentation>
+</file>
+
+<file path=ppt/revisionInfo.xml><?xml version="1.0" encoding="utf-8"?>
+<p1510:revInfo xmlns:a="http://schemas.openxmlformats.org/drawingml/2006/main" xmlns:r="http://schemas.openxmlformats.org/officeDocument/2006/relationships" xmlns:p1510="http://schemas.microsoft.com/office/powerpoint/2015/10/main">
+  <p1510:revLst>
+    <p1510:client id="{6AEBA1E9-A484-4965-82B0-DC18C7AA52B1}" v="1" dt="2022-02-18T01:01:18.797"/>
+  </p1510:revLst>
+</p1510:revInfo>
+</file>
+
+<file path=ppt/changesInfos/changesInfo1.xml><?xml version="1.0" encoding="utf-8"?>
+<pc:chgInfo xmlns:a="http://schemas.openxmlformats.org/drawingml/2006/main" xmlns:r="http://schemas.openxmlformats.org/officeDocument/2006/relationships" xmlns:ac="http://schemas.microsoft.com/office/drawing/2013/main/command" xmlns:pc="http://schemas.microsoft.com/office/powerpoint/2013/main/command">
+  <pc:docChgLst>
+    <pc:chgData name="Javier Gonzalez" userId="f61c30810da85a06" providerId="LiveId" clId="{6AEBA1E9-A484-4965-82B0-DC18C7AA52B1}"/>
+    <pc:docChg chg="addSld modSld">
+      <pc:chgData name="Javier Gonzalez" userId="f61c30810da85a06" providerId="LiveId" clId="{6AEBA1E9-A484-4965-82B0-DC18C7AA52B1}" dt="2022-02-18T01:01:20.785" v="3" actId="962"/>
+      <pc:docMkLst>
+        <pc:docMk/>
+      </pc:docMkLst>
+      <pc:sldChg chg="addSp delSp modSp new mod">
+        <pc:chgData name="Javier Gonzalez" userId="f61c30810da85a06" providerId="LiveId" clId="{6AEBA1E9-A484-4965-82B0-DC18C7AA52B1}" dt="2022-02-18T01:01:20.785" v="3" actId="962"/>
+        <pc:sldMkLst>
+          <pc:docMk/>
+          <pc:sldMk cId="296240550" sldId="261"/>
+        </pc:sldMkLst>
+        <pc:spChg chg="del">
+          <ac:chgData name="Javier Gonzalez" userId="f61c30810da85a06" providerId="LiveId" clId="{6AEBA1E9-A484-4965-82B0-DC18C7AA52B1}" dt="2022-02-18T01:01:18.796" v="1"/>
+          <ac:spMkLst>
+            <pc:docMk/>
+            <pc:sldMk cId="296240550" sldId="261"/>
+            <ac:spMk id="3" creationId="{01DDC316-85FA-4A43-9A3A-958D7B589701}"/>
+          </ac:spMkLst>
+        </pc:spChg>
+        <pc:picChg chg="add mod">
+          <ac:chgData name="Javier Gonzalez" userId="f61c30810da85a06" providerId="LiveId" clId="{6AEBA1E9-A484-4965-82B0-DC18C7AA52B1}" dt="2022-02-18T01:01:20.785" v="3" actId="962"/>
+          <ac:picMkLst>
+            <pc:docMk/>
+            <pc:sldMk cId="296240550" sldId="261"/>
+            <ac:picMk id="5" creationId="{43924BDF-A411-4A78-B8FB-5EA973BDA5F2}"/>
+          </ac:picMkLst>
+        </pc:picChg>
+      </pc:sldChg>
+    </pc:docChg>
+  </pc:docChgLst>
+</pc:chgInfo>
 </file>
 
 <file path=ppt/slideLayouts/slideLayout1.xml><?xml version="1.0" encoding="utf-8"?>
@@ -3751,6 +3802,96 @@
 </p:sld>
 </file>
 
+<file path=ppt/slides/slide6.xml><?xml version="1.0" encoding="utf-8"?>
+<p:sld xmlns:a="http://schemas.openxmlformats.org/drawingml/2006/main" xmlns:r="http://schemas.openxmlformats.org/officeDocument/2006/relationships" xmlns:p="http://schemas.openxmlformats.org/presentationml/2006/main">
+  <p:cSld>
+    <p:spTree>
+      <p:nvGrpSpPr>
+        <p:cNvPr id="1" name=""/>
+        <p:cNvGrpSpPr/>
+        <p:nvPr/>
+      </p:nvGrpSpPr>
+      <p:grpSpPr>
+        <a:xfrm>
+          <a:off x="0" y="0"/>
+          <a:ext cx="0" cy="0"/>
+          <a:chOff x="0" y="0"/>
+          <a:chExt cx="0" cy="0"/>
+        </a:xfrm>
+      </p:grpSpPr>
+      <p:sp>
+        <p:nvSpPr>
+          <p:cNvPr id="2" name="Title 1">
+            <a:extLst>
+              <a:ext uri="{FF2B5EF4-FFF2-40B4-BE49-F238E27FC236}">
+                <a16:creationId xmlns:a16="http://schemas.microsoft.com/office/drawing/2014/main" id="{1356EB6D-990C-4CB2-9C55-B7A1EBD087EF}"/>
+              </a:ext>
+            </a:extLst>
+          </p:cNvPr>
+          <p:cNvSpPr>
+            <a:spLocks noGrp="1"/>
+          </p:cNvSpPr>
+          <p:nvPr>
+            <p:ph type="title"/>
+          </p:nvPr>
+        </p:nvSpPr>
+        <p:spPr/>
+        <p:txBody>
+          <a:bodyPr/>
+          <a:lstStyle/>
+          <a:p>
+            <a:endParaRPr lang="en-US"/>
+          </a:p>
+        </p:txBody>
+      </p:sp>
+      <p:pic>
+        <p:nvPicPr>
+          <p:cNvPr id="5" name="Content Placeholder 4" descr="A screenshot of a computer&#10;&#10;Description automatically generated with medium confidence">
+            <a:extLst>
+              <a:ext uri="{FF2B5EF4-FFF2-40B4-BE49-F238E27FC236}">
+                <a16:creationId xmlns:a16="http://schemas.microsoft.com/office/drawing/2014/main" id="{43924BDF-A411-4A78-B8FB-5EA973BDA5F2}"/>
+              </a:ext>
+            </a:extLst>
+          </p:cNvPr>
+          <p:cNvPicPr>
+            <a:picLocks noGrp="1" noChangeAspect="1"/>
+          </p:cNvPicPr>
+          <p:nvPr>
+            <p:ph idx="1"/>
+          </p:nvPr>
+        </p:nvPicPr>
+        <p:blipFill>
+          <a:blip r:embed="rId2">
+            <a:extLst>
+              <a:ext uri="{28A0092B-C50C-407E-A947-70E740481C1C}">
+                <a14:useLocalDpi xmlns:a14="http://schemas.microsoft.com/office/drawing/2010/main" val="0"/>
+              </a:ext>
+            </a:extLst>
+          </a:blip>
+          <a:stretch>
+            <a:fillRect/>
+          </a:stretch>
+        </p:blipFill>
+        <p:spPr>
+          <a:xfrm>
+            <a:off x="2228144" y="1825625"/>
+            <a:ext cx="7735712" cy="4351338"/>
+          </a:xfrm>
+        </p:spPr>
+      </p:pic>
+    </p:spTree>
+    <p:extLst>
+      <p:ext uri="{BB962C8B-B14F-4D97-AF65-F5344CB8AC3E}">
+        <p14:creationId xmlns:p14="http://schemas.microsoft.com/office/powerpoint/2010/main" val="296240550"/>
+      </p:ext>
+    </p:extLst>
+  </p:cSld>
+  <p:clrMapOvr>
+    <a:masterClrMapping/>
+  </p:clrMapOvr>
+</p:sld>
+</file>
+
 <file path=ppt/theme/theme1.xml><?xml version="1.0" encoding="utf-8"?>
 <a:theme xmlns:a="http://schemas.openxmlformats.org/drawingml/2006/main" name="Office Theme">
   <a:themeElements>
